--- a/8.maintenance/翻转PPT2.pptx
+++ b/8.maintenance/翻转PPT2.pptx
@@ -17112,7 +17112,7 @@
                 <a:ea typeface="微软雅黑" panose="020B0503020204020204" pitchFamily="34" charset="-122"/>
                 <a:sym typeface="+mn-ea"/>
               </a:rPr>
-              <a:t>维护管理</a:t>
+              <a:t>维护管理员</a:t>
             </a:r>
             <a:r>
               <a:rPr sz="2000" spc="120">
@@ -17126,7 +17126,7 @@
                 <a:ea typeface="微软雅黑" panose="020B0503020204020204" pitchFamily="34" charset="-122"/>
                 <a:sym typeface="+mn-ea"/>
               </a:rPr>
-              <a:t>员转交给熟悉该产品的系</a:t>
+              <a:t>转交给熟悉该产品的</a:t>
             </a:r>
             <a:r>
               <a:rPr sz="2000" spc="120">
@@ -17137,7 +17137,7 @@
                 <a:ea typeface="微软雅黑" panose="020B0503020204020204" pitchFamily="34" charset="-122"/>
                 <a:sym typeface="+mn-ea"/>
               </a:rPr>
-              <a:t>统管理员</a:t>
+              <a:t>系统管理员</a:t>
             </a:r>
             <a:r>
               <a:rPr sz="2000" spc="120">
@@ -17450,7 +17450,7 @@
         </p:nvSpPr>
         <p:spPr>
           <a:xfrm>
-            <a:off x="1214120" y="1873885"/>
+            <a:off x="1235075" y="1883410"/>
             <a:ext cx="6799580" cy="790575"/>
           </a:xfrm>
           <a:prstGeom prst="rect">
